--- a/database/slides/HARK_A_HERALD_VOICE_IS_CALLING.pptx
+++ b/database/slides/HARK_A_HERALD_VOICE_IS_CALLING.pptx
@@ -15996,7 +15996,13 @@
       </p:sp>
       <p:sp>
         <p:nvSpPr>
-          <p:cNvPr id="131" name="Google Shape;131;p25"/>
+          <p:cNvPr id="2" name="Google Shape;131;p25">
+            <a:extLst>
+              <a:ext uri="{FF2B5EF4-FFF2-40B4-BE49-F238E27FC236}">
+                <a16:creationId xmlns:a16="http://schemas.microsoft.com/office/drawing/2014/main" id="{66528157-9BAB-4334-7158-81F2EC37917E}"/>
+              </a:ext>
+            </a:extLst>
+          </p:cNvPr>
           <p:cNvSpPr txBox="1"/>
           <p:nvPr/>
         </p:nvSpPr>
@@ -16019,11 +16025,19 @@
           </a:bodyPr>
           <a:lstStyle/>
           <a:p>
-            <a:pPr>
+            <a:pPr marL="0" lvl="0" indent="0" algn="l" rtl="0">
+              <a:spcBef>
+                <a:spcPts val="0"/>
+              </a:spcBef>
+              <a:spcAft>
+                <a:spcPts val="0"/>
+              </a:spcAft>
               <a:buClr>
                 <a:schemeClr val="lt1"/>
               </a:buClr>
               <a:buSzPts val="3200"/>
+              <a:buFont typeface="Arial"/>
+              <a:buNone/>
             </a:pPr>
             <a:r>
               <a:rPr lang="en-GB" sz="3600" b="1" i="1" dirty="0">
@@ -16037,7 +16051,7 @@
               </a:rPr>
               <a:t>contd..</a:t>
             </a:r>
-            <a:endParaRPr lang="en-GB" sz="3600" dirty="0">
+            <a:endParaRPr sz="3600" dirty="0">
               <a:latin typeface="Calibri"/>
               <a:ea typeface="Calibri"/>
               <a:cs typeface="Calibri"/>
@@ -16510,10 +16524,10 @@
       </p:sp>
       <p:sp>
         <p:nvSpPr>
-          <p:cNvPr id="131" name="Google Shape;131;p25">
+          <p:cNvPr id="2" name="Google Shape;131;p25">
             <a:extLst>
               <a:ext uri="{FF2B5EF4-FFF2-40B4-BE49-F238E27FC236}">
-                <a16:creationId xmlns:a16="http://schemas.microsoft.com/office/drawing/2014/main" id="{369BD7CC-2CBC-4599-A867-660EC93D292B}"/>
+                <a16:creationId xmlns:a16="http://schemas.microsoft.com/office/drawing/2014/main" id="{D50AEF71-5137-2260-E51F-89B425E33AF5}"/>
               </a:ext>
             </a:extLst>
           </p:cNvPr>
@@ -16539,11 +16553,19 @@
           </a:bodyPr>
           <a:lstStyle/>
           <a:p>
-            <a:pPr>
+            <a:pPr marL="0" lvl="0" indent="0" algn="l" rtl="0">
+              <a:spcBef>
+                <a:spcPts val="0"/>
+              </a:spcBef>
+              <a:spcAft>
+                <a:spcPts val="0"/>
+              </a:spcAft>
               <a:buClr>
                 <a:schemeClr val="lt1"/>
               </a:buClr>
               <a:buSzPts val="3200"/>
+              <a:buFont typeface="Arial"/>
+              <a:buNone/>
             </a:pPr>
             <a:r>
               <a:rPr lang="en-GB" sz="3600" b="1" i="1" dirty="0">
@@ -16557,7 +16579,7 @@
               </a:rPr>
               <a:t>contd..</a:t>
             </a:r>
-            <a:endParaRPr lang="en-GB" sz="3600" dirty="0">
+            <a:endParaRPr sz="3600" dirty="0">
               <a:latin typeface="Calibri"/>
               <a:ea typeface="Calibri"/>
               <a:cs typeface="Calibri"/>

--- a/database/slides/HARK_A_HERALD_VOICE_IS_CALLING.pptx
+++ b/database/slides/HARK_A_HERALD_VOICE_IS_CALLING.pptx
@@ -831,13 +831,7 @@
   <p:cSld>
     <p:spTree>
       <p:nvGrpSpPr>
-        <p:cNvPr id="1" name="Shape 125">
-          <a:extLst>
-            <a:ext uri="{FF2B5EF4-FFF2-40B4-BE49-F238E27FC236}">
-              <a16:creationId xmlns:a16="http://schemas.microsoft.com/office/drawing/2014/main" id="{7BCCC5B5-703A-A33A-9573-1C7357266D90}"/>
-            </a:ext>
-          </a:extLst>
-        </p:cNvPr>
+        <p:cNvPr id="1" name="Shape 125"/>
         <p:cNvGrpSpPr/>
         <p:nvPr/>
       </p:nvGrpSpPr>
@@ -851,13 +845,7 @@
       </p:grpSpPr>
       <p:sp>
         <p:nvSpPr>
-          <p:cNvPr id="126" name="Google Shape;126;g24f3f32051f_0_87:notes">
-            <a:extLst>
-              <a:ext uri="{FF2B5EF4-FFF2-40B4-BE49-F238E27FC236}">
-                <a16:creationId xmlns:a16="http://schemas.microsoft.com/office/drawing/2014/main" id="{73BB53C0-3AC4-A495-1FCF-84169A82E4DA}"/>
-              </a:ext>
-            </a:extLst>
-          </p:cNvPr>
+          <p:cNvPr id="126" name="Google Shape;126;g24f3f32051f_0_87:notes"/>
           <p:cNvSpPr txBox="1">
             <a:spLocks noGrp="1"/>
           </p:cNvSpPr>
@@ -895,13 +883,7 @@
       </p:sp>
       <p:sp>
         <p:nvSpPr>
-          <p:cNvPr id="127" name="Google Shape;127;g24f3f32051f_0_87:notes">
-            <a:extLst>
-              <a:ext uri="{FF2B5EF4-FFF2-40B4-BE49-F238E27FC236}">
-                <a16:creationId xmlns:a16="http://schemas.microsoft.com/office/drawing/2014/main" id="{68F70430-A9C4-2FB9-7A58-27AB41002D3F}"/>
-              </a:ext>
-            </a:extLst>
-          </p:cNvPr>
+          <p:cNvPr id="127" name="Google Shape;127;g24f3f32051f_0_87:notes"/>
           <p:cNvSpPr>
             <a:spLocks noGrp="1" noRot="1" noChangeAspect="1"/>
           </p:cNvSpPr>
@@ -943,7 +925,7 @@
     </p:spTree>
     <p:extLst>
       <p:ext uri="{BB962C8B-B14F-4D97-AF65-F5344CB8AC3E}">
-        <p14:creationId xmlns:p14="http://schemas.microsoft.com/office/powerpoint/2010/main" val="2354783175"/>
+        <p14:creationId xmlns:p14="http://schemas.microsoft.com/office/powerpoint/2010/main" val="165476627"/>
       </p:ext>
     </p:extLst>
   </p:cSld>
@@ -958,13 +940,7 @@
   <p:cSld>
     <p:spTree>
       <p:nvGrpSpPr>
-        <p:cNvPr id="1" name="Shape 125">
-          <a:extLst>
-            <a:ext uri="{FF2B5EF4-FFF2-40B4-BE49-F238E27FC236}">
-              <a16:creationId xmlns:a16="http://schemas.microsoft.com/office/drawing/2014/main" id="{5DEB54FB-CD74-68CB-42AF-934387892C8E}"/>
-            </a:ext>
-          </a:extLst>
-        </p:cNvPr>
+        <p:cNvPr id="1" name="Shape 125"/>
         <p:cNvGrpSpPr/>
         <p:nvPr/>
       </p:nvGrpSpPr>
@@ -978,13 +954,7 @@
       </p:grpSpPr>
       <p:sp>
         <p:nvSpPr>
-          <p:cNvPr id="126" name="Google Shape;126;g24f3f32051f_0_87:notes">
-            <a:extLst>
-              <a:ext uri="{FF2B5EF4-FFF2-40B4-BE49-F238E27FC236}">
-                <a16:creationId xmlns:a16="http://schemas.microsoft.com/office/drawing/2014/main" id="{59C2F30F-9B65-FC19-285F-114F556C67A8}"/>
-              </a:ext>
-            </a:extLst>
-          </p:cNvPr>
+          <p:cNvPr id="126" name="Google Shape;126;g24f3f32051f_0_87:notes"/>
           <p:cNvSpPr txBox="1">
             <a:spLocks noGrp="1"/>
           </p:cNvSpPr>
@@ -1022,13 +992,7 @@
       </p:sp>
       <p:sp>
         <p:nvSpPr>
-          <p:cNvPr id="127" name="Google Shape;127;g24f3f32051f_0_87:notes">
-            <a:extLst>
-              <a:ext uri="{FF2B5EF4-FFF2-40B4-BE49-F238E27FC236}">
-                <a16:creationId xmlns:a16="http://schemas.microsoft.com/office/drawing/2014/main" id="{AE165AEE-71C1-4680-6EB6-C1BED3D0AAF8}"/>
-              </a:ext>
-            </a:extLst>
-          </p:cNvPr>
+          <p:cNvPr id="127" name="Google Shape;127;g24f3f32051f_0_87:notes"/>
           <p:cNvSpPr>
             <a:spLocks noGrp="1" noRot="1" noChangeAspect="1"/>
           </p:cNvSpPr>
@@ -1070,7 +1034,7 @@
     </p:spTree>
     <p:extLst>
       <p:ext uri="{BB962C8B-B14F-4D97-AF65-F5344CB8AC3E}">
-        <p14:creationId xmlns:p14="http://schemas.microsoft.com/office/powerpoint/2010/main" val="2279897247"/>
+        <p14:creationId xmlns:p14="http://schemas.microsoft.com/office/powerpoint/2010/main" val="1224649394"/>
       </p:ext>
     </p:extLst>
   </p:cSld>
@@ -15708,7 +15672,7 @@
           <a:p>
             <a:pPr marL="171450" algn="l"/>
             <a:r>
-              <a:rPr lang="en-GB" sz="2800" b="1" u="sng" dirty="0">
+              <a:rPr lang="en-GB" sz="2900" b="1" u="sng" dirty="0">
                 <a:solidFill>
                   <a:schemeClr val="bg1"/>
                 </a:solidFill>
@@ -15760,7 +15724,7 @@
               <a:buNone/>
             </a:pPr>
             <a:r>
-              <a:rPr lang="en-GB" sz="4000" b="1" dirty="0">
+              <a:rPr lang="en-GB" sz="3800" b="1" dirty="0">
                 <a:solidFill>
                   <a:schemeClr val="bg1"/>
                 </a:solidFill>
@@ -15770,18 +15734,22 @@
               </a:rPr>
               <a:t>Hark! A herald voice is calling;</a:t>
             </a:r>
-            <a:br>
-              <a:rPr lang="en-GB" sz="4000" b="1" dirty="0">
-                <a:solidFill>
-                  <a:schemeClr val="bg1"/>
-                </a:solidFill>
-                <a:latin typeface="Calibri" panose="020F0502020204030204" pitchFamily="34" charset="0"/>
-                <a:ea typeface="Calibri" panose="020F0502020204030204" pitchFamily="34" charset="0"/>
-                <a:cs typeface="Calibri" panose="020F0502020204030204" pitchFamily="34" charset="0"/>
-              </a:rPr>
-            </a:br>
+          </a:p>
+          <a:p>
+            <a:pPr marL="114300" indent="0">
+              <a:lnSpc>
+                <a:spcPct val="100000"/>
+              </a:lnSpc>
+              <a:spcBef>
+                <a:spcPct val="0"/>
+              </a:spcBef>
+              <a:spcAft>
+                <a:spcPct val="0"/>
+              </a:spcAft>
+              <a:buNone/>
+            </a:pPr>
             <a:r>
-              <a:rPr lang="en-GB" sz="4000" b="1" dirty="0">
+              <a:rPr lang="en-GB" sz="3800" b="1" dirty="0">
                 <a:solidFill>
                   <a:schemeClr val="bg1"/>
                 </a:solidFill>
@@ -15806,7 +15774,7 @@
               <a:buNone/>
             </a:pPr>
             <a:r>
-              <a:rPr lang="en-GB" sz="4000" b="1" dirty="0">
+              <a:rPr lang="en-GB" sz="3800" b="1" dirty="0">
                 <a:solidFill>
                   <a:schemeClr val="bg1"/>
                 </a:solidFill>
@@ -15831,7 +15799,7 @@
               <a:buNone/>
             </a:pPr>
             <a:r>
-              <a:rPr lang="en-GB" sz="4000" b="1" dirty="0">
+              <a:rPr lang="en-GB" sz="3800" b="1" dirty="0">
                 <a:solidFill>
                   <a:schemeClr val="bg1"/>
                 </a:solidFill>
@@ -15856,7 +15824,7 @@
               <a:buNone/>
             </a:pPr>
             <a:r>
-              <a:rPr lang="en-GB" sz="4000" b="1" dirty="0">
+              <a:rPr lang="en-GB" sz="3800" b="1" dirty="0">
                 <a:solidFill>
                   <a:schemeClr val="bg1"/>
                 </a:solidFill>
@@ -15881,7 +15849,7 @@
               <a:buNone/>
             </a:pPr>
             <a:r>
-              <a:rPr lang="en-GB" sz="4000" b="1" dirty="0">
+              <a:rPr lang="en-GB" sz="3800" b="1" dirty="0">
                 <a:solidFill>
                   <a:schemeClr val="bg1"/>
                 </a:solidFill>
@@ -15906,7 +15874,7 @@
               <a:buNone/>
             </a:pPr>
             <a:r>
-              <a:rPr lang="en-GB" sz="4000" b="1" dirty="0">
+              <a:rPr lang="en-GB" sz="3800" b="1" dirty="0">
                 <a:solidFill>
                   <a:schemeClr val="bg1"/>
                 </a:solidFill>
@@ -15931,7 +15899,7 @@
               <a:buNone/>
             </a:pPr>
             <a:r>
-              <a:rPr lang="en-GB" sz="4000" b="1" dirty="0">
+              <a:rPr lang="en-GB" sz="3800" b="1" dirty="0">
                 <a:solidFill>
                   <a:schemeClr val="bg1"/>
                 </a:solidFill>
@@ -15956,7 +15924,7 @@
               <a:buNone/>
             </a:pPr>
             <a:r>
-              <a:rPr lang="en-GB" sz="4000" b="1" dirty="0">
+              <a:rPr lang="en-GB" sz="3800" b="1" dirty="0">
                 <a:solidFill>
                   <a:schemeClr val="bg1"/>
                 </a:solidFill>
@@ -15981,7 +15949,7 @@
               <a:buNone/>
             </a:pPr>
             <a:r>
-              <a:rPr lang="en-GB" sz="4000" b="1" dirty="0">
+              <a:rPr lang="en-GB" sz="3800" b="1" dirty="0">
                 <a:solidFill>
                   <a:schemeClr val="bg1"/>
                 </a:solidFill>
@@ -15999,7 +15967,7 @@
           <p:cNvPr id="2" name="Google Shape;131;p25">
             <a:extLst>
               <a:ext uri="{FF2B5EF4-FFF2-40B4-BE49-F238E27FC236}">
-                <a16:creationId xmlns:a16="http://schemas.microsoft.com/office/drawing/2014/main" id="{66528157-9BAB-4334-7158-81F2EC37917E}"/>
+                <a16:creationId xmlns:a16="http://schemas.microsoft.com/office/drawing/2014/main" id="{9C3E2805-8386-E05F-0FB1-1D7DCED0BCFA}"/>
               </a:ext>
             </a:extLst>
           </p:cNvPr>
@@ -16086,13 +16054,7 @@
     </p:bg>
     <p:spTree>
       <p:nvGrpSpPr>
-        <p:cNvPr id="1" name="Shape 128">
-          <a:extLst>
-            <a:ext uri="{FF2B5EF4-FFF2-40B4-BE49-F238E27FC236}">
-              <a16:creationId xmlns:a16="http://schemas.microsoft.com/office/drawing/2014/main" id="{5AC49FBA-79E0-D0B6-07FD-200A5B74C538}"/>
-            </a:ext>
-          </a:extLst>
-        </p:cNvPr>
+        <p:cNvPr id="1" name="Shape 128"/>
         <p:cNvGrpSpPr/>
         <p:nvPr/>
       </p:nvGrpSpPr>
@@ -16106,13 +16068,7 @@
       </p:grpSpPr>
       <p:sp>
         <p:nvSpPr>
-          <p:cNvPr id="129" name="Google Shape;129;p25">
-            <a:extLst>
-              <a:ext uri="{FF2B5EF4-FFF2-40B4-BE49-F238E27FC236}">
-                <a16:creationId xmlns:a16="http://schemas.microsoft.com/office/drawing/2014/main" id="{D7238810-09F2-56A0-96CF-6656907508C6}"/>
-              </a:ext>
-            </a:extLst>
-          </p:cNvPr>
+          <p:cNvPr id="129" name="Google Shape;129;p25"/>
           <p:cNvSpPr txBox="1">
             <a:spLocks noGrp="1"/>
           </p:cNvSpPr>
@@ -16141,7 +16097,7 @@
           <a:p>
             <a:pPr marL="171450" algn="l"/>
             <a:r>
-              <a:rPr lang="en-GB" sz="2800" b="1" u="sng" dirty="0">
+              <a:rPr lang="en-GB" sz="2900" b="1" u="sng" dirty="0">
                 <a:solidFill>
                   <a:schemeClr val="bg1"/>
                 </a:solidFill>
@@ -16153,13 +16109,7 @@
       </p:sp>
       <p:sp>
         <p:nvSpPr>
-          <p:cNvPr id="130" name="Google Shape;130;p25">
-            <a:extLst>
-              <a:ext uri="{FF2B5EF4-FFF2-40B4-BE49-F238E27FC236}">
-                <a16:creationId xmlns:a16="http://schemas.microsoft.com/office/drawing/2014/main" id="{E41D26F0-86FC-8B8B-739A-C6648C6BF782}"/>
-              </a:ext>
-            </a:extLst>
-          </p:cNvPr>
+          <p:cNvPr id="130" name="Google Shape;130;p25"/>
           <p:cNvSpPr txBox="1">
             <a:spLocks noGrp="1"/>
           </p:cNvSpPr>
@@ -16199,7 +16149,7 @@
               <a:buNone/>
             </a:pPr>
             <a:r>
-              <a:rPr lang="en-GB" sz="4000" b="1" dirty="0">
+              <a:rPr lang="en-GB" sz="3800" b="1" dirty="0">
                 <a:solidFill>
                   <a:schemeClr val="bg1"/>
                 </a:solidFill>
@@ -16224,7 +16174,7 @@
               <a:buNone/>
             </a:pPr>
             <a:r>
-              <a:rPr lang="en-GB" sz="4000" b="1" dirty="0">
+              <a:rPr lang="en-GB" sz="3800" b="1" dirty="0">
                 <a:solidFill>
                   <a:schemeClr val="bg1"/>
                 </a:solidFill>
@@ -16232,10 +16182,10 @@
                 <a:ea typeface="Calibri" panose="020F0502020204030204" pitchFamily="34" charset="0"/>
                 <a:cs typeface="Calibri" panose="020F0502020204030204" pitchFamily="34" charset="0"/>
               </a:rPr>
-              <a:t>Comes with pardon down from </a:t>
+              <a:t>comes with pardon down from </a:t>
             </a:r>
             <a:r>
-              <a:rPr lang="en-GB" sz="4000" b="1" dirty="0" err="1">
+              <a:rPr lang="en-GB" sz="3800" b="1" dirty="0" err="1">
                 <a:solidFill>
                   <a:schemeClr val="bg1"/>
                 </a:solidFill>
@@ -16245,7 +16195,7 @@
               </a:rPr>
               <a:t>heav’n</a:t>
             </a:r>
-            <a:endParaRPr lang="en-GB" sz="4000" b="1" dirty="0">
+            <a:endParaRPr lang="en-GB" sz="3800" b="1" dirty="0">
               <a:solidFill>
                 <a:schemeClr val="bg1"/>
               </a:solidFill>
@@ -16268,7 +16218,7 @@
               <a:buNone/>
             </a:pPr>
             <a:r>
-              <a:rPr lang="en-GB" sz="4000" b="1" dirty="0">
+              <a:rPr lang="en-GB" sz="3800" b="1" dirty="0">
                 <a:solidFill>
                   <a:schemeClr val="bg1"/>
                 </a:solidFill>
@@ -16293,7 +16243,7 @@
               <a:buNone/>
             </a:pPr>
             <a:r>
-              <a:rPr lang="en-GB" sz="4000" b="1" dirty="0">
+              <a:rPr lang="en-GB" sz="3800" b="1" dirty="0">
                 <a:solidFill>
                   <a:schemeClr val="bg1"/>
                 </a:solidFill>
@@ -16304,7 +16254,7 @@
               <a:t>One and all to be </a:t>
             </a:r>
             <a:r>
-              <a:rPr lang="en-GB" sz="4000" b="1" dirty="0" err="1">
+              <a:rPr lang="en-GB" sz="3800" b="1" dirty="0" err="1">
                 <a:solidFill>
                   <a:schemeClr val="bg1"/>
                 </a:solidFill>
@@ -16315,7 +16265,7 @@
               <a:t>forgiv’n</a:t>
             </a:r>
             <a:r>
-              <a:rPr lang="en-GB" sz="4000" b="1" dirty="0">
+              <a:rPr lang="en-GB" sz="3800" b="1" dirty="0">
                 <a:solidFill>
                   <a:schemeClr val="bg1"/>
                 </a:solidFill>
@@ -16340,7 +16290,7 @@
               <a:buNone/>
             </a:pPr>
             <a:r>
-              <a:rPr lang="en-GB" sz="4000" b="1" dirty="0">
+              <a:rPr lang="en-GB" sz="3800" b="1" dirty="0">
                 <a:solidFill>
                   <a:schemeClr val="bg1"/>
                 </a:solidFill>
@@ -16365,7 +16315,7 @@
               <a:buNone/>
             </a:pPr>
             <a:r>
-              <a:rPr lang="en-GB" sz="4000" b="1" dirty="0">
+              <a:rPr lang="en-GB" sz="3800" b="1" dirty="0">
                 <a:solidFill>
                   <a:schemeClr val="bg1"/>
                 </a:solidFill>
@@ -16373,7 +16323,7 @@
                 <a:ea typeface="Calibri" panose="020F0502020204030204" pitchFamily="34" charset="0"/>
                 <a:cs typeface="Calibri" panose="020F0502020204030204" pitchFamily="34" charset="0"/>
               </a:rPr>
-              <a:t>Closing our salvation story,</a:t>
+              <a:t>closing our salvation story,</a:t>
             </a:r>
           </a:p>
           <a:p>
@@ -16390,7 +16340,7 @@
               <a:buNone/>
             </a:pPr>
             <a:r>
-              <a:rPr lang="en-GB" sz="4000" b="1" dirty="0">
+              <a:rPr lang="en-GB" sz="3800" b="1" dirty="0">
                 <a:solidFill>
                   <a:schemeClr val="bg1"/>
                 </a:solidFill>
@@ -16401,7 +16351,7 @@
               <a:t>May he then as our </a:t>
             </a:r>
             <a:r>
-              <a:rPr lang="en-GB" sz="4000" b="1" dirty="0" err="1">
+              <a:rPr lang="en-GB" sz="3800" b="1" dirty="0" err="1">
                 <a:solidFill>
                   <a:schemeClr val="bg1"/>
                 </a:solidFill>
@@ -16412,7 +16362,7 @@
               <a:t>defense</a:t>
             </a:r>
             <a:r>
-              <a:rPr lang="en-GB" sz="4000" b="1" dirty="0">
+              <a:rPr lang="en-GB" sz="3800" b="1" dirty="0">
                 <a:solidFill>
                   <a:schemeClr val="bg1"/>
                 </a:solidFill>
@@ -16437,7 +16387,7 @@
               <a:buNone/>
             </a:pPr>
             <a:r>
-              <a:rPr lang="en-GB" sz="4000" b="1" dirty="0">
+              <a:rPr lang="en-GB" sz="3800" b="1" dirty="0">
                 <a:solidFill>
                   <a:schemeClr val="bg1"/>
                 </a:solidFill>
@@ -16445,10 +16395,10 @@
                 <a:ea typeface="Calibri" panose="020F0502020204030204" pitchFamily="34" charset="0"/>
                 <a:cs typeface="Calibri" panose="020F0502020204030204" pitchFamily="34" charset="0"/>
               </a:rPr>
-              <a:t>On the clouds of </a:t>
+              <a:t>on the clouds of </a:t>
             </a:r>
             <a:r>
-              <a:rPr lang="en-GB" sz="4000" b="1" dirty="0" err="1">
+              <a:rPr lang="en-GB" sz="3800" b="1" dirty="0" err="1">
                 <a:solidFill>
                   <a:schemeClr val="bg1"/>
                 </a:solidFill>
@@ -16459,7 +16409,7 @@
               <a:t>heav’n</a:t>
             </a:r>
             <a:r>
-              <a:rPr lang="en-GB" sz="4000" b="1" dirty="0">
+              <a:rPr lang="en-GB" sz="3800" b="1" dirty="0">
                 <a:solidFill>
                   <a:schemeClr val="bg1"/>
                 </a:solidFill>
@@ -16484,7 +16434,7 @@
               <a:buNone/>
             </a:pPr>
             <a:r>
-              <a:rPr lang="en-GB" sz="4000" b="1" dirty="0">
+              <a:rPr lang="en-GB" sz="3800" b="1" dirty="0">
                 <a:solidFill>
                   <a:schemeClr val="bg1"/>
                 </a:solidFill>
@@ -16509,7 +16459,7 @@
               <a:buNone/>
             </a:pPr>
             <a:r>
-              <a:rPr lang="en-GB" sz="4000" b="1" dirty="0">
+              <a:rPr lang="en-GB" sz="3800" b="1" dirty="0">
                 <a:solidFill>
                   <a:schemeClr val="bg1"/>
                 </a:solidFill>
@@ -16527,7 +16477,7 @@
           <p:cNvPr id="2" name="Google Shape;131;p25">
             <a:extLst>
               <a:ext uri="{FF2B5EF4-FFF2-40B4-BE49-F238E27FC236}">
-                <a16:creationId xmlns:a16="http://schemas.microsoft.com/office/drawing/2014/main" id="{D50AEF71-5137-2260-E51F-89B425E33AF5}"/>
+                <a16:creationId xmlns:a16="http://schemas.microsoft.com/office/drawing/2014/main" id="{9C3E2805-8386-E05F-0FB1-1D7DCED0BCFA}"/>
               </a:ext>
             </a:extLst>
           </p:cNvPr>
@@ -16591,7 +16541,7 @@
     </p:spTree>
     <p:extLst>
       <p:ext uri="{BB962C8B-B14F-4D97-AF65-F5344CB8AC3E}">
-        <p14:creationId xmlns:p14="http://schemas.microsoft.com/office/powerpoint/2010/main" val="3740147218"/>
+        <p14:creationId xmlns:p14="http://schemas.microsoft.com/office/powerpoint/2010/main" val="1294961435"/>
       </p:ext>
     </p:extLst>
   </p:cSld>
@@ -16614,13 +16564,7 @@
     </p:bg>
     <p:spTree>
       <p:nvGrpSpPr>
-        <p:cNvPr id="1" name="Shape 128">
-          <a:extLst>
-            <a:ext uri="{FF2B5EF4-FFF2-40B4-BE49-F238E27FC236}">
-              <a16:creationId xmlns:a16="http://schemas.microsoft.com/office/drawing/2014/main" id="{548212E3-B814-6E19-FF5A-4F6CAD9D7DAC}"/>
-            </a:ext>
-          </a:extLst>
-        </p:cNvPr>
+        <p:cNvPr id="1" name="Shape 128"/>
         <p:cNvGrpSpPr/>
         <p:nvPr/>
       </p:nvGrpSpPr>
@@ -16634,13 +16578,7 @@
       </p:grpSpPr>
       <p:sp>
         <p:nvSpPr>
-          <p:cNvPr id="129" name="Google Shape;129;p25">
-            <a:extLst>
-              <a:ext uri="{FF2B5EF4-FFF2-40B4-BE49-F238E27FC236}">
-                <a16:creationId xmlns:a16="http://schemas.microsoft.com/office/drawing/2014/main" id="{D23D983B-3D72-1DB1-ACAF-5687C85B6454}"/>
-              </a:ext>
-            </a:extLst>
-          </p:cNvPr>
+          <p:cNvPr id="129" name="Google Shape;129;p25"/>
           <p:cNvSpPr txBox="1">
             <a:spLocks noGrp="1"/>
           </p:cNvSpPr>
@@ -16669,7 +16607,7 @@
           <a:p>
             <a:pPr marL="171450" algn="l"/>
             <a:r>
-              <a:rPr lang="en-GB" sz="2800" b="1" u="sng" dirty="0">
+              <a:rPr lang="en-GB" sz="2900" b="1" u="sng" dirty="0">
                 <a:solidFill>
                   <a:schemeClr val="bg1"/>
                 </a:solidFill>
@@ -16681,13 +16619,7 @@
       </p:sp>
       <p:sp>
         <p:nvSpPr>
-          <p:cNvPr id="130" name="Google Shape;130;p25">
-            <a:extLst>
-              <a:ext uri="{FF2B5EF4-FFF2-40B4-BE49-F238E27FC236}">
-                <a16:creationId xmlns:a16="http://schemas.microsoft.com/office/drawing/2014/main" id="{76DBC6BA-97EE-7BEC-D76B-FF4390530C51}"/>
-              </a:ext>
-            </a:extLst>
-          </p:cNvPr>
+          <p:cNvPr id="130" name="Google Shape;130;p25"/>
           <p:cNvSpPr txBox="1">
             <a:spLocks noGrp="1"/>
           </p:cNvSpPr>
@@ -16727,7 +16659,7 @@
               <a:buNone/>
             </a:pPr>
             <a:r>
-              <a:rPr lang="en-GB" sz="4000" b="1" dirty="0">
+              <a:rPr lang="en-GB" sz="3800" b="1" dirty="0">
                 <a:solidFill>
                   <a:schemeClr val="bg1"/>
                 </a:solidFill>
@@ -16752,7 +16684,7 @@
               <a:buNone/>
             </a:pPr>
             <a:r>
-              <a:rPr lang="en-GB" sz="4000" b="1" dirty="0">
+              <a:rPr lang="en-GB" sz="3800" b="1" dirty="0">
                 <a:solidFill>
                   <a:schemeClr val="bg1"/>
                 </a:solidFill>
@@ -16777,7 +16709,7 @@
               <a:buNone/>
             </a:pPr>
             <a:r>
-              <a:rPr lang="en-GB" sz="4000" b="1" dirty="0">
+              <a:rPr lang="en-GB" sz="3800" b="1" dirty="0">
                 <a:solidFill>
                   <a:schemeClr val="bg1"/>
                 </a:solidFill>
@@ -16802,7 +16734,7 @@
               <a:buNone/>
             </a:pPr>
             <a:r>
-              <a:rPr lang="en-GB" sz="4000" b="1" dirty="0">
+              <a:rPr lang="en-GB" sz="3800" b="1" dirty="0">
                 <a:solidFill>
                   <a:schemeClr val="bg1"/>
                 </a:solidFill>
@@ -16827,7 +16759,7 @@
               <a:buNone/>
             </a:pPr>
             <a:r>
-              <a:rPr lang="en-GB" sz="4000" b="1" dirty="0">
+              <a:rPr lang="en-GB" sz="3800" b="1" dirty="0">
                 <a:solidFill>
                   <a:schemeClr val="bg1"/>
                 </a:solidFill>
@@ -16835,7 +16767,7 @@
                 <a:ea typeface="Calibri" panose="020F0502020204030204" pitchFamily="34" charset="0"/>
                 <a:cs typeface="Calibri" panose="020F0502020204030204" pitchFamily="34" charset="0"/>
               </a:rPr>
-              <a:t>Oh, that warning cry obey!</a:t>
+              <a:t>Oh! that warning cry obey!</a:t>
             </a:r>
           </a:p>
           <a:p>
@@ -16852,7 +16784,7 @@
               <a:buNone/>
             </a:pPr>
             <a:r>
-              <a:rPr lang="en-GB" sz="4000" b="1" dirty="0">
+              <a:rPr lang="en-GB" sz="3800" b="1" dirty="0">
                 <a:solidFill>
                   <a:schemeClr val="bg1"/>
                 </a:solidFill>
@@ -16877,7 +16809,7 @@
               <a:buNone/>
             </a:pPr>
             <a:r>
-              <a:rPr lang="en-GB" sz="4000" b="1" dirty="0" err="1">
+              <a:rPr lang="en-GB" sz="3800" b="1" dirty="0" err="1">
                 <a:solidFill>
                   <a:schemeClr val="bg1"/>
                 </a:solidFill>
@@ -16888,7 +16820,7 @@
               <a:t>Ev’ry</a:t>
             </a:r>
             <a:r>
-              <a:rPr lang="en-GB" sz="4000" b="1" dirty="0">
+              <a:rPr lang="en-GB" sz="3800" b="1" dirty="0">
                 <a:solidFill>
                   <a:schemeClr val="bg1"/>
                 </a:solidFill>
@@ -16913,7 +16845,7 @@
               <a:buNone/>
             </a:pPr>
             <a:r>
-              <a:rPr lang="en-GB" sz="4000" b="1" dirty="0">
+              <a:rPr lang="en-GB" sz="3800" b="1" dirty="0">
                 <a:solidFill>
                   <a:schemeClr val="bg1"/>
                 </a:solidFill>
@@ -16938,7 +16870,7 @@
               <a:buNone/>
             </a:pPr>
             <a:r>
-              <a:rPr lang="en-GB" sz="4000" b="1" dirty="0">
+              <a:rPr lang="en-GB" sz="3800" b="1" dirty="0">
                 <a:solidFill>
                   <a:schemeClr val="bg1"/>
                 </a:solidFill>
@@ -16963,7 +16895,7 @@
               <a:buNone/>
             </a:pPr>
             <a:r>
-              <a:rPr lang="en-GB" sz="4000" b="1" dirty="0">
+              <a:rPr lang="en-GB" sz="3800" b="1" dirty="0">
                 <a:solidFill>
                   <a:schemeClr val="bg1"/>
                 </a:solidFill>
@@ -16978,10 +16910,10 @@
       </p:sp>
       <p:sp>
         <p:nvSpPr>
-          <p:cNvPr id="131" name="Google Shape;131;p25">
+          <p:cNvPr id="2" name="Google Shape;131;p25">
             <a:extLst>
               <a:ext uri="{FF2B5EF4-FFF2-40B4-BE49-F238E27FC236}">
-                <a16:creationId xmlns:a16="http://schemas.microsoft.com/office/drawing/2014/main" id="{A108E6C0-157D-014F-656F-DEF081CE2F9F}"/>
+                <a16:creationId xmlns:a16="http://schemas.microsoft.com/office/drawing/2014/main" id="{9C3E2805-8386-E05F-0FB1-1D7DCED0BCFA}"/>
               </a:ext>
             </a:extLst>
           </p:cNvPr>
@@ -17007,13 +16939,21 @@
           </a:bodyPr>
           <a:lstStyle/>
           <a:p>
-            <a:pPr>
+            <a:pPr marL="0" lvl="0" indent="0" algn="l" rtl="0">
+              <a:spcBef>
+                <a:spcPts val="0"/>
+              </a:spcBef>
+              <a:spcAft>
+                <a:spcPts val="0"/>
+              </a:spcAft>
               <a:buClr>
                 <a:schemeClr val="lt1"/>
               </a:buClr>
               <a:buSzPts val="3200"/>
+              <a:buFont typeface="Arial"/>
+              <a:buNone/>
             </a:pPr>
-            <a:endParaRPr lang="en-GB" sz="3600" dirty="0">
+            <a:endParaRPr sz="3600" dirty="0">
               <a:latin typeface="Calibri"/>
               <a:ea typeface="Calibri"/>
               <a:cs typeface="Calibri"/>
@@ -17025,7 +16965,7 @@
     </p:spTree>
     <p:extLst>
       <p:ext uri="{BB962C8B-B14F-4D97-AF65-F5344CB8AC3E}">
-        <p14:creationId xmlns:p14="http://schemas.microsoft.com/office/powerpoint/2010/main" val="4189742847"/>
+        <p14:creationId xmlns:p14="http://schemas.microsoft.com/office/powerpoint/2010/main" val="2715483324"/>
       </p:ext>
     </p:extLst>
   </p:cSld>
